--- a/TDD Microskills week 1.pptx
+++ b/TDD Microskills week 1.pptx
@@ -22715,1842 +22715,6 @@
           </a:p>
         </p:txBody>
       </p:sp>
-      <p:grpSp>
-        <p:nvGrpSpPr>
-          <p:cNvPr id="154" name="Google Shape;717;p37">
-            <a:extLst>
-              <a:ext uri="{FF2B5EF4-FFF2-40B4-BE49-F238E27FC236}">
-                <a16:creationId xmlns:a16="http://schemas.microsoft.com/office/drawing/2014/main" id="{41D358D6-2C87-4D45-BCF0-87912D8097E0}"/>
-              </a:ext>
-            </a:extLst>
-          </p:cNvPr>
-          <p:cNvGrpSpPr/>
-          <p:nvPr/>
-        </p:nvGrpSpPr>
-        <p:grpSpPr>
-          <a:xfrm>
-            <a:off x="6778593" y="2927610"/>
-            <a:ext cx="452420" cy="433992"/>
-            <a:chOff x="5233525" y="4954450"/>
-            <a:chExt cx="538275" cy="516350"/>
-          </a:xfrm>
-        </p:grpSpPr>
-        <p:sp>
-          <p:nvSpPr>
-            <p:cNvPr id="155" name="Google Shape;718;p37">
-              <a:extLst>
-                <a:ext uri="{FF2B5EF4-FFF2-40B4-BE49-F238E27FC236}">
-                  <a16:creationId xmlns:a16="http://schemas.microsoft.com/office/drawing/2014/main" id="{4FE91AA4-CD26-554A-BBB1-2769DFECBE88}"/>
-                </a:ext>
-              </a:extLst>
-            </p:cNvPr>
-            <p:cNvSpPr/>
-            <p:nvPr/>
-          </p:nvSpPr>
-          <p:spPr>
-            <a:xfrm>
-              <a:off x="5637825" y="4954450"/>
-              <a:ext cx="89525" cy="89525"/>
-            </a:xfrm>
-            <a:custGeom>
-              <a:avLst/>
-              <a:gdLst/>
-              <a:ahLst/>
-              <a:cxnLst/>
-              <a:rect l="l" t="t" r="r" b="b"/>
-              <a:pathLst>
-                <a:path w="3581" h="3581" fill="none" extrusionOk="0">
-                  <a:moveTo>
-                    <a:pt x="1023" y="3410"/>
-                  </a:moveTo>
-                  <a:lnTo>
-                    <a:pt x="1023" y="3410"/>
-                  </a:lnTo>
-                  <a:lnTo>
-                    <a:pt x="1193" y="3483"/>
-                  </a:lnTo>
-                  <a:lnTo>
-                    <a:pt x="1388" y="3532"/>
-                  </a:lnTo>
-                  <a:lnTo>
-                    <a:pt x="1583" y="3556"/>
-                  </a:lnTo>
-                  <a:lnTo>
-                    <a:pt x="1778" y="3581"/>
-                  </a:lnTo>
-                  <a:lnTo>
-                    <a:pt x="1778" y="3581"/>
-                  </a:lnTo>
-                  <a:lnTo>
-                    <a:pt x="1973" y="3556"/>
-                  </a:lnTo>
-                  <a:lnTo>
-                    <a:pt x="2143" y="3532"/>
-                  </a:lnTo>
-                  <a:lnTo>
-                    <a:pt x="2314" y="3508"/>
-                  </a:lnTo>
-                  <a:lnTo>
-                    <a:pt x="2484" y="3435"/>
-                  </a:lnTo>
-                  <a:lnTo>
-                    <a:pt x="2630" y="3361"/>
-                  </a:lnTo>
-                  <a:lnTo>
-                    <a:pt x="2776" y="3264"/>
-                  </a:lnTo>
-                  <a:lnTo>
-                    <a:pt x="2923" y="3167"/>
-                  </a:lnTo>
-                  <a:lnTo>
-                    <a:pt x="3044" y="3045"/>
-                  </a:lnTo>
-                  <a:lnTo>
-                    <a:pt x="3166" y="2923"/>
-                  </a:lnTo>
-                  <a:lnTo>
-                    <a:pt x="3264" y="2801"/>
-                  </a:lnTo>
-                  <a:lnTo>
-                    <a:pt x="3361" y="2631"/>
-                  </a:lnTo>
-                  <a:lnTo>
-                    <a:pt x="3434" y="2485"/>
-                  </a:lnTo>
-                  <a:lnTo>
-                    <a:pt x="3483" y="2314"/>
-                  </a:lnTo>
-                  <a:lnTo>
-                    <a:pt x="3531" y="2144"/>
-                  </a:lnTo>
-                  <a:lnTo>
-                    <a:pt x="3556" y="1973"/>
-                  </a:lnTo>
-                  <a:lnTo>
-                    <a:pt x="3580" y="1803"/>
-                  </a:lnTo>
-                  <a:lnTo>
-                    <a:pt x="3580" y="1803"/>
-                  </a:lnTo>
-                  <a:lnTo>
-                    <a:pt x="3556" y="1608"/>
-                  </a:lnTo>
-                  <a:lnTo>
-                    <a:pt x="3531" y="1437"/>
-                  </a:lnTo>
-                  <a:lnTo>
-                    <a:pt x="3483" y="1267"/>
-                  </a:lnTo>
-                  <a:lnTo>
-                    <a:pt x="3434" y="1096"/>
-                  </a:lnTo>
-                  <a:lnTo>
-                    <a:pt x="3361" y="950"/>
-                  </a:lnTo>
-                  <a:lnTo>
-                    <a:pt x="3264" y="804"/>
-                  </a:lnTo>
-                  <a:lnTo>
-                    <a:pt x="3166" y="658"/>
-                  </a:lnTo>
-                  <a:lnTo>
-                    <a:pt x="3044" y="536"/>
-                  </a:lnTo>
-                  <a:lnTo>
-                    <a:pt x="2923" y="414"/>
-                  </a:lnTo>
-                  <a:lnTo>
-                    <a:pt x="2776" y="317"/>
-                  </a:lnTo>
-                  <a:lnTo>
-                    <a:pt x="2630" y="220"/>
-                  </a:lnTo>
-                  <a:lnTo>
-                    <a:pt x="2484" y="147"/>
-                  </a:lnTo>
-                  <a:lnTo>
-                    <a:pt x="2314" y="98"/>
-                  </a:lnTo>
-                  <a:lnTo>
-                    <a:pt x="2143" y="49"/>
-                  </a:lnTo>
-                  <a:lnTo>
-                    <a:pt x="1973" y="25"/>
-                  </a:lnTo>
-                  <a:lnTo>
-                    <a:pt x="1778" y="0"/>
-                  </a:lnTo>
-                  <a:lnTo>
-                    <a:pt x="1778" y="0"/>
-                  </a:lnTo>
-                  <a:lnTo>
-                    <a:pt x="1607" y="25"/>
-                  </a:lnTo>
-                  <a:lnTo>
-                    <a:pt x="1437" y="49"/>
-                  </a:lnTo>
-                  <a:lnTo>
-                    <a:pt x="1266" y="98"/>
-                  </a:lnTo>
-                  <a:lnTo>
-                    <a:pt x="1096" y="147"/>
-                  </a:lnTo>
-                  <a:lnTo>
-                    <a:pt x="925" y="220"/>
-                  </a:lnTo>
-                  <a:lnTo>
-                    <a:pt x="779" y="317"/>
-                  </a:lnTo>
-                  <a:lnTo>
-                    <a:pt x="658" y="414"/>
-                  </a:lnTo>
-                  <a:lnTo>
-                    <a:pt x="536" y="536"/>
-                  </a:lnTo>
-                  <a:lnTo>
-                    <a:pt x="414" y="658"/>
-                  </a:lnTo>
-                  <a:lnTo>
-                    <a:pt x="317" y="804"/>
-                  </a:lnTo>
-                  <a:lnTo>
-                    <a:pt x="219" y="950"/>
-                  </a:lnTo>
-                  <a:lnTo>
-                    <a:pt x="146" y="1096"/>
-                  </a:lnTo>
-                  <a:lnTo>
-                    <a:pt x="73" y="1267"/>
-                  </a:lnTo>
-                  <a:lnTo>
-                    <a:pt x="49" y="1437"/>
-                  </a:lnTo>
-                  <a:lnTo>
-                    <a:pt x="24" y="1608"/>
-                  </a:lnTo>
-                  <a:lnTo>
-                    <a:pt x="0" y="1803"/>
-                  </a:lnTo>
-                  <a:lnTo>
-                    <a:pt x="0" y="1803"/>
-                  </a:lnTo>
-                  <a:lnTo>
-                    <a:pt x="24" y="2071"/>
-                  </a:lnTo>
-                  <a:lnTo>
-                    <a:pt x="97" y="2339"/>
-                  </a:lnTo>
-                  <a:lnTo>
-                    <a:pt x="195" y="2582"/>
-                  </a:lnTo>
-                  <a:lnTo>
-                    <a:pt x="317" y="2801"/>
-                  </a:lnTo>
-                </a:path>
-              </a:pathLst>
-            </a:custGeom>
-            <a:noFill/>
-            <a:ln w="12175" cap="rnd" cmpd="sng">
-              <a:solidFill>
-                <a:schemeClr val="tx1"/>
-              </a:solidFill>
-              <a:prstDash val="solid"/>
-              <a:round/>
-              <a:headEnd type="none" w="sm" len="sm"/>
-              <a:tailEnd type="none" w="sm" len="sm"/>
-            </a:ln>
-          </p:spPr>
-          <p:txBody>
-            <a:bodyPr spcFirstLastPara="1" wrap="square" lIns="91425" tIns="91425" rIns="91425" bIns="91425" anchor="ctr" anchorCtr="0">
-              <a:noAutofit/>
-            </a:bodyPr>
-            <a:lstStyle/>
-            <a:p>
-              <a:pPr marL="0" lvl="0" indent="0" algn="l" rtl="0">
-                <a:spcBef>
-                  <a:spcPts val="0"/>
-                </a:spcBef>
-                <a:spcAft>
-                  <a:spcPts val="0"/>
-                </a:spcAft>
-                <a:buNone/>
-              </a:pPr>
-              <a:endParaRPr/>
-            </a:p>
-          </p:txBody>
-        </p:sp>
-        <p:sp>
-          <p:nvSpPr>
-            <p:cNvPr id="156" name="Google Shape;719;p37">
-              <a:extLst>
-                <a:ext uri="{FF2B5EF4-FFF2-40B4-BE49-F238E27FC236}">
-                  <a16:creationId xmlns:a16="http://schemas.microsoft.com/office/drawing/2014/main" id="{AF436639-CCDA-294C-9094-45D213636974}"/>
-                </a:ext>
-              </a:extLst>
-            </p:cNvPr>
-            <p:cNvSpPr/>
-            <p:nvPr/>
-          </p:nvSpPr>
-          <p:spPr>
-            <a:xfrm>
-              <a:off x="5323025" y="4980625"/>
-              <a:ext cx="88925" cy="88925"/>
-            </a:xfrm>
-            <a:custGeom>
-              <a:avLst/>
-              <a:gdLst/>
-              <a:ahLst/>
-              <a:cxnLst/>
-              <a:rect l="l" t="t" r="r" b="b"/>
-              <a:pathLst>
-                <a:path w="3557" h="3557" fill="none" extrusionOk="0">
-                  <a:moveTo>
-                    <a:pt x="3191" y="2850"/>
-                  </a:moveTo>
-                  <a:lnTo>
-                    <a:pt x="3191" y="2850"/>
-                  </a:lnTo>
-                  <a:lnTo>
-                    <a:pt x="3313" y="2680"/>
-                  </a:lnTo>
-                  <a:lnTo>
-                    <a:pt x="3410" y="2509"/>
-                  </a:lnTo>
-                  <a:lnTo>
-                    <a:pt x="3483" y="2314"/>
-                  </a:lnTo>
-                  <a:lnTo>
-                    <a:pt x="3532" y="2095"/>
-                  </a:lnTo>
-                  <a:lnTo>
-                    <a:pt x="3532" y="2095"/>
-                  </a:lnTo>
-                  <a:lnTo>
-                    <a:pt x="3556" y="1925"/>
-                  </a:lnTo>
-                  <a:lnTo>
-                    <a:pt x="3556" y="1730"/>
-                  </a:lnTo>
-                  <a:lnTo>
-                    <a:pt x="3556" y="1559"/>
-                  </a:lnTo>
-                  <a:lnTo>
-                    <a:pt x="3508" y="1389"/>
-                  </a:lnTo>
-                  <a:lnTo>
-                    <a:pt x="3459" y="1218"/>
-                  </a:lnTo>
-                  <a:lnTo>
-                    <a:pt x="3410" y="1072"/>
-                  </a:lnTo>
-                  <a:lnTo>
-                    <a:pt x="3337" y="902"/>
-                  </a:lnTo>
-                  <a:lnTo>
-                    <a:pt x="3240" y="756"/>
-                  </a:lnTo>
-                  <a:lnTo>
-                    <a:pt x="3142" y="634"/>
-                  </a:lnTo>
-                  <a:lnTo>
-                    <a:pt x="3021" y="512"/>
-                  </a:lnTo>
-                  <a:lnTo>
-                    <a:pt x="2899" y="390"/>
-                  </a:lnTo>
-                  <a:lnTo>
-                    <a:pt x="2753" y="293"/>
-                  </a:lnTo>
-                  <a:lnTo>
-                    <a:pt x="2606" y="196"/>
-                  </a:lnTo>
-                  <a:lnTo>
-                    <a:pt x="2436" y="122"/>
-                  </a:lnTo>
-                  <a:lnTo>
-                    <a:pt x="2266" y="74"/>
-                  </a:lnTo>
-                  <a:lnTo>
-                    <a:pt x="2095" y="25"/>
-                  </a:lnTo>
-                  <a:lnTo>
-                    <a:pt x="2095" y="25"/>
-                  </a:lnTo>
-                  <a:lnTo>
-                    <a:pt x="1925" y="1"/>
-                  </a:lnTo>
-                  <a:lnTo>
-                    <a:pt x="1730" y="1"/>
-                  </a:lnTo>
-                  <a:lnTo>
-                    <a:pt x="1559" y="1"/>
-                  </a:lnTo>
-                  <a:lnTo>
-                    <a:pt x="1389" y="25"/>
-                  </a:lnTo>
-                  <a:lnTo>
-                    <a:pt x="1218" y="74"/>
-                  </a:lnTo>
-                  <a:lnTo>
-                    <a:pt x="1072" y="147"/>
-                  </a:lnTo>
-                  <a:lnTo>
-                    <a:pt x="902" y="220"/>
-                  </a:lnTo>
-                  <a:lnTo>
-                    <a:pt x="756" y="317"/>
-                  </a:lnTo>
-                  <a:lnTo>
-                    <a:pt x="634" y="415"/>
-                  </a:lnTo>
-                  <a:lnTo>
-                    <a:pt x="512" y="537"/>
-                  </a:lnTo>
-                  <a:lnTo>
-                    <a:pt x="390" y="658"/>
-                  </a:lnTo>
-                  <a:lnTo>
-                    <a:pt x="293" y="804"/>
-                  </a:lnTo>
-                  <a:lnTo>
-                    <a:pt x="195" y="951"/>
-                  </a:lnTo>
-                  <a:lnTo>
-                    <a:pt x="122" y="1097"/>
-                  </a:lnTo>
-                  <a:lnTo>
-                    <a:pt x="74" y="1267"/>
-                  </a:lnTo>
-                  <a:lnTo>
-                    <a:pt x="25" y="1462"/>
-                  </a:lnTo>
-                  <a:lnTo>
-                    <a:pt x="25" y="1462"/>
-                  </a:lnTo>
-                  <a:lnTo>
-                    <a:pt x="1" y="1633"/>
-                  </a:lnTo>
-                  <a:lnTo>
-                    <a:pt x="1" y="1803"/>
-                  </a:lnTo>
-                  <a:lnTo>
-                    <a:pt x="1" y="1998"/>
-                  </a:lnTo>
-                  <a:lnTo>
-                    <a:pt x="25" y="2168"/>
-                  </a:lnTo>
-                  <a:lnTo>
-                    <a:pt x="74" y="2339"/>
-                  </a:lnTo>
-                  <a:lnTo>
-                    <a:pt x="147" y="2485"/>
-                  </a:lnTo>
-                  <a:lnTo>
-                    <a:pt x="220" y="2655"/>
-                  </a:lnTo>
-                  <a:lnTo>
-                    <a:pt x="317" y="2777"/>
-                  </a:lnTo>
-                  <a:lnTo>
-                    <a:pt x="415" y="2923"/>
-                  </a:lnTo>
-                  <a:lnTo>
-                    <a:pt x="536" y="3045"/>
-                  </a:lnTo>
-                  <a:lnTo>
-                    <a:pt x="658" y="3167"/>
-                  </a:lnTo>
-                  <a:lnTo>
-                    <a:pt x="804" y="3264"/>
-                  </a:lnTo>
-                  <a:lnTo>
-                    <a:pt x="950" y="3362"/>
-                  </a:lnTo>
-                  <a:lnTo>
-                    <a:pt x="1096" y="3435"/>
-                  </a:lnTo>
-                  <a:lnTo>
-                    <a:pt x="1267" y="3483"/>
-                  </a:lnTo>
-                  <a:lnTo>
-                    <a:pt x="1462" y="3532"/>
-                  </a:lnTo>
-                  <a:lnTo>
-                    <a:pt x="1462" y="3532"/>
-                  </a:lnTo>
-                  <a:lnTo>
-                    <a:pt x="1705" y="3557"/>
-                  </a:lnTo>
-                  <a:lnTo>
-                    <a:pt x="1973" y="3557"/>
-                  </a:lnTo>
-                  <a:lnTo>
-                    <a:pt x="2217" y="3508"/>
-                  </a:lnTo>
-                  <a:lnTo>
-                    <a:pt x="2460" y="3435"/>
-                  </a:lnTo>
-                </a:path>
-              </a:pathLst>
-            </a:custGeom>
-            <a:noFill/>
-            <a:ln w="12175" cap="rnd" cmpd="sng">
-              <a:solidFill>
-                <a:schemeClr val="tx1"/>
-              </a:solidFill>
-              <a:prstDash val="solid"/>
-              <a:round/>
-              <a:headEnd type="none" w="sm" len="sm"/>
-              <a:tailEnd type="none" w="sm" len="sm"/>
-            </a:ln>
-          </p:spPr>
-          <p:txBody>
-            <a:bodyPr spcFirstLastPara="1" wrap="square" lIns="91425" tIns="91425" rIns="91425" bIns="91425" anchor="ctr" anchorCtr="0">
-              <a:noAutofit/>
-            </a:bodyPr>
-            <a:lstStyle/>
-            <a:p>
-              <a:pPr marL="0" lvl="0" indent="0" algn="l" rtl="0">
-                <a:spcBef>
-                  <a:spcPts val="0"/>
-                </a:spcBef>
-                <a:spcAft>
-                  <a:spcPts val="0"/>
-                </a:spcAft>
-                <a:buNone/>
-              </a:pPr>
-              <a:endParaRPr/>
-            </a:p>
-          </p:txBody>
-        </p:sp>
-        <p:sp>
-          <p:nvSpPr>
-            <p:cNvPr id="157" name="Google Shape;720;p37">
-              <a:extLst>
-                <a:ext uri="{FF2B5EF4-FFF2-40B4-BE49-F238E27FC236}">
-                  <a16:creationId xmlns:a16="http://schemas.microsoft.com/office/drawing/2014/main" id="{FCABBDD5-3D06-5749-98E7-63A514F108A6}"/>
-                </a:ext>
-              </a:extLst>
-            </p:cNvPr>
-            <p:cNvSpPr/>
-            <p:nvPr/>
-          </p:nvSpPr>
-          <p:spPr>
-            <a:xfrm>
-              <a:off x="5233525" y="5255225"/>
-              <a:ext cx="89525" cy="89525"/>
-            </a:xfrm>
-            <a:custGeom>
-              <a:avLst/>
-              <a:gdLst/>
-              <a:ahLst/>
-              <a:cxnLst/>
-              <a:rect l="l" t="t" r="r" b="b"/>
-              <a:pathLst>
-                <a:path w="3581" h="3581" fill="none" extrusionOk="0">
-                  <a:moveTo>
-                    <a:pt x="3215" y="707"/>
-                  </a:moveTo>
-                  <a:lnTo>
-                    <a:pt x="3215" y="707"/>
-                  </a:lnTo>
-                  <a:lnTo>
-                    <a:pt x="3093" y="585"/>
-                  </a:lnTo>
-                  <a:lnTo>
-                    <a:pt x="2972" y="464"/>
-                  </a:lnTo>
-                  <a:lnTo>
-                    <a:pt x="2850" y="342"/>
-                  </a:lnTo>
-                  <a:lnTo>
-                    <a:pt x="2679" y="244"/>
-                  </a:lnTo>
-                  <a:lnTo>
-                    <a:pt x="2679" y="244"/>
-                  </a:lnTo>
-                  <a:lnTo>
-                    <a:pt x="2533" y="171"/>
-                  </a:lnTo>
-                  <a:lnTo>
-                    <a:pt x="2363" y="98"/>
-                  </a:lnTo>
-                  <a:lnTo>
-                    <a:pt x="2192" y="50"/>
-                  </a:lnTo>
-                  <a:lnTo>
-                    <a:pt x="2022" y="25"/>
-                  </a:lnTo>
-                  <a:lnTo>
-                    <a:pt x="1851" y="1"/>
-                  </a:lnTo>
-                  <a:lnTo>
-                    <a:pt x="1681" y="25"/>
-                  </a:lnTo>
-                  <a:lnTo>
-                    <a:pt x="1510" y="25"/>
-                  </a:lnTo>
-                  <a:lnTo>
-                    <a:pt x="1340" y="74"/>
-                  </a:lnTo>
-                  <a:lnTo>
-                    <a:pt x="1169" y="123"/>
-                  </a:lnTo>
-                  <a:lnTo>
-                    <a:pt x="1023" y="196"/>
-                  </a:lnTo>
-                  <a:lnTo>
-                    <a:pt x="877" y="269"/>
-                  </a:lnTo>
-                  <a:lnTo>
-                    <a:pt x="731" y="366"/>
-                  </a:lnTo>
-                  <a:lnTo>
-                    <a:pt x="585" y="488"/>
-                  </a:lnTo>
-                  <a:lnTo>
-                    <a:pt x="463" y="610"/>
-                  </a:lnTo>
-                  <a:lnTo>
-                    <a:pt x="341" y="731"/>
-                  </a:lnTo>
-                  <a:lnTo>
-                    <a:pt x="244" y="902"/>
-                  </a:lnTo>
-                  <a:lnTo>
-                    <a:pt x="244" y="902"/>
-                  </a:lnTo>
-                  <a:lnTo>
-                    <a:pt x="171" y="1048"/>
-                  </a:lnTo>
-                  <a:lnTo>
-                    <a:pt x="98" y="1219"/>
-                  </a:lnTo>
-                  <a:lnTo>
-                    <a:pt x="49" y="1389"/>
-                  </a:lnTo>
-                  <a:lnTo>
-                    <a:pt x="25" y="1560"/>
-                  </a:lnTo>
-                  <a:lnTo>
-                    <a:pt x="0" y="1730"/>
-                  </a:lnTo>
-                  <a:lnTo>
-                    <a:pt x="0" y="1900"/>
-                  </a:lnTo>
-                  <a:lnTo>
-                    <a:pt x="25" y="2071"/>
-                  </a:lnTo>
-                  <a:lnTo>
-                    <a:pt x="73" y="2241"/>
-                  </a:lnTo>
-                  <a:lnTo>
-                    <a:pt x="122" y="2412"/>
-                  </a:lnTo>
-                  <a:lnTo>
-                    <a:pt x="195" y="2558"/>
-                  </a:lnTo>
-                  <a:lnTo>
-                    <a:pt x="268" y="2729"/>
-                  </a:lnTo>
-                  <a:lnTo>
-                    <a:pt x="366" y="2850"/>
-                  </a:lnTo>
-                  <a:lnTo>
-                    <a:pt x="463" y="2996"/>
-                  </a:lnTo>
-                  <a:lnTo>
-                    <a:pt x="609" y="3118"/>
-                  </a:lnTo>
-                  <a:lnTo>
-                    <a:pt x="731" y="3240"/>
-                  </a:lnTo>
-                  <a:lnTo>
-                    <a:pt x="901" y="3337"/>
-                  </a:lnTo>
-                  <a:lnTo>
-                    <a:pt x="901" y="3337"/>
-                  </a:lnTo>
-                  <a:lnTo>
-                    <a:pt x="1048" y="3410"/>
-                  </a:lnTo>
-                  <a:lnTo>
-                    <a:pt x="1218" y="3484"/>
-                  </a:lnTo>
-                  <a:lnTo>
-                    <a:pt x="1389" y="3532"/>
-                  </a:lnTo>
-                  <a:lnTo>
-                    <a:pt x="1559" y="3557"/>
-                  </a:lnTo>
-                  <a:lnTo>
-                    <a:pt x="1730" y="3581"/>
-                  </a:lnTo>
-                  <a:lnTo>
-                    <a:pt x="1900" y="3581"/>
-                  </a:lnTo>
-                  <a:lnTo>
-                    <a:pt x="2071" y="3557"/>
-                  </a:lnTo>
-                  <a:lnTo>
-                    <a:pt x="2241" y="3508"/>
-                  </a:lnTo>
-                  <a:lnTo>
-                    <a:pt x="2411" y="3459"/>
-                  </a:lnTo>
-                  <a:lnTo>
-                    <a:pt x="2558" y="3410"/>
-                  </a:lnTo>
-                  <a:lnTo>
-                    <a:pt x="2704" y="3313"/>
-                  </a:lnTo>
-                  <a:lnTo>
-                    <a:pt x="2850" y="3216"/>
-                  </a:lnTo>
-                  <a:lnTo>
-                    <a:pt x="2996" y="3118"/>
-                  </a:lnTo>
-                  <a:lnTo>
-                    <a:pt x="3118" y="2996"/>
-                  </a:lnTo>
-                  <a:lnTo>
-                    <a:pt x="3240" y="2850"/>
-                  </a:lnTo>
-                  <a:lnTo>
-                    <a:pt x="3337" y="2704"/>
-                  </a:lnTo>
-                  <a:lnTo>
-                    <a:pt x="3337" y="2704"/>
-                  </a:lnTo>
-                  <a:lnTo>
-                    <a:pt x="3459" y="2412"/>
-                  </a:lnTo>
-                  <a:lnTo>
-                    <a:pt x="3532" y="2144"/>
-                  </a:lnTo>
-                  <a:lnTo>
-                    <a:pt x="3581" y="1852"/>
-                  </a:lnTo>
-                  <a:lnTo>
-                    <a:pt x="3556" y="1560"/>
-                  </a:lnTo>
-                </a:path>
-              </a:pathLst>
-            </a:custGeom>
-            <a:noFill/>
-            <a:ln w="12175" cap="rnd" cmpd="sng">
-              <a:solidFill>
-                <a:schemeClr val="tx1"/>
-              </a:solidFill>
-              <a:prstDash val="solid"/>
-              <a:round/>
-              <a:headEnd type="none" w="sm" len="sm"/>
-              <a:tailEnd type="none" w="sm" len="sm"/>
-            </a:ln>
-          </p:spPr>
-          <p:txBody>
-            <a:bodyPr spcFirstLastPara="1" wrap="square" lIns="91425" tIns="91425" rIns="91425" bIns="91425" anchor="ctr" anchorCtr="0">
-              <a:noAutofit/>
-            </a:bodyPr>
-            <a:lstStyle/>
-            <a:p>
-              <a:pPr marL="0" lvl="0" indent="0" algn="l" rtl="0">
-                <a:spcBef>
-                  <a:spcPts val="0"/>
-                </a:spcBef>
-                <a:spcAft>
-                  <a:spcPts val="0"/>
-                </a:spcAft>
-                <a:buNone/>
-              </a:pPr>
-              <a:endParaRPr/>
-            </a:p>
-          </p:txBody>
-        </p:sp>
-        <p:sp>
-          <p:nvSpPr>
-            <p:cNvPr id="158" name="Google Shape;721;p37">
-              <a:extLst>
-                <a:ext uri="{FF2B5EF4-FFF2-40B4-BE49-F238E27FC236}">
-                  <a16:creationId xmlns:a16="http://schemas.microsoft.com/office/drawing/2014/main" id="{27330213-D86E-EE43-986F-00EE2CD04C6D}"/>
-                </a:ext>
-              </a:extLst>
-            </p:cNvPr>
-            <p:cNvSpPr/>
-            <p:nvPr/>
-          </p:nvSpPr>
-          <p:spPr>
-            <a:xfrm>
-              <a:off x="5453325" y="5382475"/>
-              <a:ext cx="88925" cy="88325"/>
-            </a:xfrm>
-            <a:custGeom>
-              <a:avLst/>
-              <a:gdLst/>
-              <a:ahLst/>
-              <a:cxnLst/>
-              <a:rect l="l" t="t" r="r" b="b"/>
-              <a:pathLst>
-                <a:path w="3557" h="3533" fill="none" extrusionOk="0">
-                  <a:moveTo>
-                    <a:pt x="1389" y="1"/>
-                  </a:moveTo>
-                  <a:lnTo>
-                    <a:pt x="1389" y="1"/>
-                  </a:lnTo>
-                  <a:lnTo>
-                    <a:pt x="1194" y="50"/>
-                  </a:lnTo>
-                  <a:lnTo>
-                    <a:pt x="999" y="147"/>
-                  </a:lnTo>
-                  <a:lnTo>
-                    <a:pt x="804" y="245"/>
-                  </a:lnTo>
-                  <a:lnTo>
-                    <a:pt x="634" y="366"/>
-                  </a:lnTo>
-                  <a:lnTo>
-                    <a:pt x="634" y="366"/>
-                  </a:lnTo>
-                  <a:lnTo>
-                    <a:pt x="488" y="488"/>
-                  </a:lnTo>
-                  <a:lnTo>
-                    <a:pt x="390" y="634"/>
-                  </a:lnTo>
-                  <a:lnTo>
-                    <a:pt x="268" y="780"/>
-                  </a:lnTo>
-                  <a:lnTo>
-                    <a:pt x="195" y="926"/>
-                  </a:lnTo>
-                  <a:lnTo>
-                    <a:pt x="122" y="1073"/>
-                  </a:lnTo>
-                  <a:lnTo>
-                    <a:pt x="74" y="1243"/>
-                  </a:lnTo>
-                  <a:lnTo>
-                    <a:pt x="25" y="1414"/>
-                  </a:lnTo>
-                  <a:lnTo>
-                    <a:pt x="0" y="1584"/>
-                  </a:lnTo>
-                  <a:lnTo>
-                    <a:pt x="0" y="1755"/>
-                  </a:lnTo>
-                  <a:lnTo>
-                    <a:pt x="0" y="1925"/>
-                  </a:lnTo>
-                  <a:lnTo>
-                    <a:pt x="25" y="2096"/>
-                  </a:lnTo>
-                  <a:lnTo>
-                    <a:pt x="74" y="2266"/>
-                  </a:lnTo>
-                  <a:lnTo>
-                    <a:pt x="122" y="2412"/>
-                  </a:lnTo>
-                  <a:lnTo>
-                    <a:pt x="195" y="2583"/>
-                  </a:lnTo>
-                  <a:lnTo>
-                    <a:pt x="293" y="2729"/>
-                  </a:lnTo>
-                  <a:lnTo>
-                    <a:pt x="415" y="2875"/>
-                  </a:lnTo>
-                  <a:lnTo>
-                    <a:pt x="415" y="2875"/>
-                  </a:lnTo>
-                  <a:lnTo>
-                    <a:pt x="536" y="3021"/>
-                  </a:lnTo>
-                  <a:lnTo>
-                    <a:pt x="658" y="3143"/>
-                  </a:lnTo>
-                  <a:lnTo>
-                    <a:pt x="804" y="3240"/>
-                  </a:lnTo>
-                  <a:lnTo>
-                    <a:pt x="950" y="3313"/>
-                  </a:lnTo>
-                  <a:lnTo>
-                    <a:pt x="1121" y="3386"/>
-                  </a:lnTo>
-                  <a:lnTo>
-                    <a:pt x="1267" y="3459"/>
-                  </a:lnTo>
-                  <a:lnTo>
-                    <a:pt x="1437" y="3484"/>
-                  </a:lnTo>
-                  <a:lnTo>
-                    <a:pt x="1608" y="3508"/>
-                  </a:lnTo>
-                  <a:lnTo>
-                    <a:pt x="1778" y="3532"/>
-                  </a:lnTo>
-                  <a:lnTo>
-                    <a:pt x="1949" y="3508"/>
-                  </a:lnTo>
-                  <a:lnTo>
-                    <a:pt x="2119" y="3484"/>
-                  </a:lnTo>
-                  <a:lnTo>
-                    <a:pt x="2290" y="3435"/>
-                  </a:lnTo>
-                  <a:lnTo>
-                    <a:pt x="2460" y="3386"/>
-                  </a:lnTo>
-                  <a:lnTo>
-                    <a:pt x="2606" y="3313"/>
-                  </a:lnTo>
-                  <a:lnTo>
-                    <a:pt x="2777" y="3216"/>
-                  </a:lnTo>
-                  <a:lnTo>
-                    <a:pt x="2923" y="3118"/>
-                  </a:lnTo>
-                  <a:lnTo>
-                    <a:pt x="2923" y="3118"/>
-                  </a:lnTo>
-                  <a:lnTo>
-                    <a:pt x="3045" y="2997"/>
-                  </a:lnTo>
-                  <a:lnTo>
-                    <a:pt x="3167" y="2851"/>
-                  </a:lnTo>
-                  <a:lnTo>
-                    <a:pt x="3264" y="2704"/>
-                  </a:lnTo>
-                  <a:lnTo>
-                    <a:pt x="3361" y="2558"/>
-                  </a:lnTo>
-                  <a:lnTo>
-                    <a:pt x="3435" y="2412"/>
-                  </a:lnTo>
-                  <a:lnTo>
-                    <a:pt x="3483" y="2242"/>
-                  </a:lnTo>
-                  <a:lnTo>
-                    <a:pt x="3532" y="2071"/>
-                  </a:lnTo>
-                  <a:lnTo>
-                    <a:pt x="3556" y="1901"/>
-                  </a:lnTo>
-                  <a:lnTo>
-                    <a:pt x="3556" y="1730"/>
-                  </a:lnTo>
-                  <a:lnTo>
-                    <a:pt x="3556" y="1560"/>
-                  </a:lnTo>
-                  <a:lnTo>
-                    <a:pt x="3532" y="1389"/>
-                  </a:lnTo>
-                  <a:lnTo>
-                    <a:pt x="3483" y="1219"/>
-                  </a:lnTo>
-                  <a:lnTo>
-                    <a:pt x="3410" y="1048"/>
-                  </a:lnTo>
-                  <a:lnTo>
-                    <a:pt x="3337" y="902"/>
-                  </a:lnTo>
-                  <a:lnTo>
-                    <a:pt x="3264" y="756"/>
-                  </a:lnTo>
-                  <a:lnTo>
-                    <a:pt x="3142" y="610"/>
-                  </a:lnTo>
-                  <a:lnTo>
-                    <a:pt x="3142" y="610"/>
-                  </a:lnTo>
-                  <a:lnTo>
-                    <a:pt x="2972" y="415"/>
-                  </a:lnTo>
-                  <a:lnTo>
-                    <a:pt x="2753" y="245"/>
-                  </a:lnTo>
-                  <a:lnTo>
-                    <a:pt x="2533" y="123"/>
-                  </a:lnTo>
-                  <a:lnTo>
-                    <a:pt x="2314" y="50"/>
-                  </a:lnTo>
-                </a:path>
-              </a:pathLst>
-            </a:custGeom>
-            <a:noFill/>
-            <a:ln w="12175" cap="rnd" cmpd="sng">
-              <a:solidFill>
-                <a:schemeClr val="tx1"/>
-              </a:solidFill>
-              <a:prstDash val="solid"/>
-              <a:round/>
-              <a:headEnd type="none" w="sm" len="sm"/>
-              <a:tailEnd type="none" w="sm" len="sm"/>
-            </a:ln>
-          </p:spPr>
-          <p:txBody>
-            <a:bodyPr spcFirstLastPara="1" wrap="square" lIns="91425" tIns="91425" rIns="91425" bIns="91425" anchor="ctr" anchorCtr="0">
-              <a:noAutofit/>
-            </a:bodyPr>
-            <a:lstStyle/>
-            <a:p>
-              <a:pPr marL="0" lvl="0" indent="0" algn="l" rtl="0">
-                <a:spcBef>
-                  <a:spcPts val="0"/>
-                </a:spcBef>
-                <a:spcAft>
-                  <a:spcPts val="0"/>
-                </a:spcAft>
-                <a:buNone/>
-              </a:pPr>
-              <a:endParaRPr/>
-            </a:p>
-          </p:txBody>
-        </p:sp>
-        <p:sp>
-          <p:nvSpPr>
-            <p:cNvPr id="159" name="Google Shape;722;p37">
-              <a:extLst>
-                <a:ext uri="{FF2B5EF4-FFF2-40B4-BE49-F238E27FC236}">
-                  <a16:creationId xmlns:a16="http://schemas.microsoft.com/office/drawing/2014/main" id="{1B453FCA-6EC4-B044-A896-D628670722F2}"/>
-                </a:ext>
-              </a:extLst>
-            </p:cNvPr>
-            <p:cNvSpPr/>
-            <p:nvPr/>
-          </p:nvSpPr>
-          <p:spPr>
-            <a:xfrm>
-              <a:off x="5682875" y="5188875"/>
-              <a:ext cx="88925" cy="89525"/>
-            </a:xfrm>
-            <a:custGeom>
-              <a:avLst/>
-              <a:gdLst/>
-              <a:ahLst/>
-              <a:cxnLst/>
-              <a:rect l="l" t="t" r="r" b="b"/>
-              <a:pathLst>
-                <a:path w="3557" h="3581" fill="none" extrusionOk="0">
-                  <a:moveTo>
-                    <a:pt x="0" y="2022"/>
-                  </a:moveTo>
-                  <a:lnTo>
-                    <a:pt x="0" y="2022"/>
-                  </a:lnTo>
-                  <a:lnTo>
-                    <a:pt x="25" y="2216"/>
-                  </a:lnTo>
-                  <a:lnTo>
-                    <a:pt x="98" y="2411"/>
-                  </a:lnTo>
-                  <a:lnTo>
-                    <a:pt x="98" y="2411"/>
-                  </a:lnTo>
-                  <a:lnTo>
-                    <a:pt x="171" y="2557"/>
-                  </a:lnTo>
-                  <a:lnTo>
-                    <a:pt x="244" y="2728"/>
-                  </a:lnTo>
-                  <a:lnTo>
-                    <a:pt x="341" y="2874"/>
-                  </a:lnTo>
-                  <a:lnTo>
-                    <a:pt x="463" y="2996"/>
-                  </a:lnTo>
-                  <a:lnTo>
-                    <a:pt x="585" y="3118"/>
-                  </a:lnTo>
-                  <a:lnTo>
-                    <a:pt x="707" y="3239"/>
-                  </a:lnTo>
-                  <a:lnTo>
-                    <a:pt x="853" y="3337"/>
-                  </a:lnTo>
-                  <a:lnTo>
-                    <a:pt x="999" y="3410"/>
-                  </a:lnTo>
-                  <a:lnTo>
-                    <a:pt x="1169" y="3483"/>
-                  </a:lnTo>
-                  <a:lnTo>
-                    <a:pt x="1340" y="3532"/>
-                  </a:lnTo>
-                  <a:lnTo>
-                    <a:pt x="1510" y="3556"/>
-                  </a:lnTo>
-                  <a:lnTo>
-                    <a:pt x="1681" y="3580"/>
-                  </a:lnTo>
-                  <a:lnTo>
-                    <a:pt x="1851" y="3580"/>
-                  </a:lnTo>
-                  <a:lnTo>
-                    <a:pt x="2022" y="3556"/>
-                  </a:lnTo>
-                  <a:lnTo>
-                    <a:pt x="2192" y="3532"/>
-                  </a:lnTo>
-                  <a:lnTo>
-                    <a:pt x="2363" y="3459"/>
-                  </a:lnTo>
-                  <a:lnTo>
-                    <a:pt x="2363" y="3459"/>
-                  </a:lnTo>
-                  <a:lnTo>
-                    <a:pt x="2533" y="3410"/>
-                  </a:lnTo>
-                  <a:lnTo>
-                    <a:pt x="2704" y="3312"/>
-                  </a:lnTo>
-                  <a:lnTo>
-                    <a:pt x="2850" y="3215"/>
-                  </a:lnTo>
-                  <a:lnTo>
-                    <a:pt x="2972" y="3093"/>
-                  </a:lnTo>
-                  <a:lnTo>
-                    <a:pt x="3093" y="2971"/>
-                  </a:lnTo>
-                  <a:lnTo>
-                    <a:pt x="3215" y="2850"/>
-                  </a:lnTo>
-                  <a:lnTo>
-                    <a:pt x="3288" y="2704"/>
-                  </a:lnTo>
-                  <a:lnTo>
-                    <a:pt x="3386" y="2557"/>
-                  </a:lnTo>
-                  <a:lnTo>
-                    <a:pt x="3434" y="2387"/>
-                  </a:lnTo>
-                  <a:lnTo>
-                    <a:pt x="3483" y="2216"/>
-                  </a:lnTo>
-                  <a:lnTo>
-                    <a:pt x="3532" y="2070"/>
-                  </a:lnTo>
-                  <a:lnTo>
-                    <a:pt x="3556" y="1875"/>
-                  </a:lnTo>
-                  <a:lnTo>
-                    <a:pt x="3556" y="1705"/>
-                  </a:lnTo>
-                  <a:lnTo>
-                    <a:pt x="3532" y="1534"/>
-                  </a:lnTo>
-                  <a:lnTo>
-                    <a:pt x="3507" y="1364"/>
-                  </a:lnTo>
-                  <a:lnTo>
-                    <a:pt x="3434" y="1194"/>
-                  </a:lnTo>
-                  <a:lnTo>
-                    <a:pt x="3434" y="1194"/>
-                  </a:lnTo>
-                  <a:lnTo>
-                    <a:pt x="3361" y="1023"/>
-                  </a:lnTo>
-                  <a:lnTo>
-                    <a:pt x="3288" y="853"/>
-                  </a:lnTo>
-                  <a:lnTo>
-                    <a:pt x="3191" y="706"/>
-                  </a:lnTo>
-                  <a:lnTo>
-                    <a:pt x="3069" y="585"/>
-                  </a:lnTo>
-                  <a:lnTo>
-                    <a:pt x="2947" y="463"/>
-                  </a:lnTo>
-                  <a:lnTo>
-                    <a:pt x="2825" y="341"/>
-                  </a:lnTo>
-                  <a:lnTo>
-                    <a:pt x="2679" y="268"/>
-                  </a:lnTo>
-                  <a:lnTo>
-                    <a:pt x="2533" y="171"/>
-                  </a:lnTo>
-                  <a:lnTo>
-                    <a:pt x="2363" y="122"/>
-                  </a:lnTo>
-                  <a:lnTo>
-                    <a:pt x="2192" y="73"/>
-                  </a:lnTo>
-                  <a:lnTo>
-                    <a:pt x="2022" y="24"/>
-                  </a:lnTo>
-                  <a:lnTo>
-                    <a:pt x="1851" y="24"/>
-                  </a:lnTo>
-                  <a:lnTo>
-                    <a:pt x="1681" y="0"/>
-                  </a:lnTo>
-                  <a:lnTo>
-                    <a:pt x="1510" y="24"/>
-                  </a:lnTo>
-                  <a:lnTo>
-                    <a:pt x="1340" y="73"/>
-                  </a:lnTo>
-                  <a:lnTo>
-                    <a:pt x="1169" y="122"/>
-                  </a:lnTo>
-                  <a:lnTo>
-                    <a:pt x="1169" y="122"/>
-                  </a:lnTo>
-                  <a:lnTo>
-                    <a:pt x="974" y="195"/>
-                  </a:lnTo>
-                  <a:lnTo>
-                    <a:pt x="804" y="292"/>
-                  </a:lnTo>
-                  <a:lnTo>
-                    <a:pt x="658" y="390"/>
-                  </a:lnTo>
-                  <a:lnTo>
-                    <a:pt x="512" y="512"/>
-                  </a:lnTo>
-                  <a:lnTo>
-                    <a:pt x="390" y="658"/>
-                  </a:lnTo>
-                  <a:lnTo>
-                    <a:pt x="293" y="804"/>
-                  </a:lnTo>
-                  <a:lnTo>
-                    <a:pt x="195" y="950"/>
-                  </a:lnTo>
-                  <a:lnTo>
-                    <a:pt x="122" y="1120"/>
-                  </a:lnTo>
-                </a:path>
-              </a:pathLst>
-            </a:custGeom>
-            <a:noFill/>
-            <a:ln w="12175" cap="rnd" cmpd="sng">
-              <a:solidFill>
-                <a:schemeClr val="tx1"/>
-              </a:solidFill>
-              <a:prstDash val="solid"/>
-              <a:round/>
-              <a:headEnd type="none" w="sm" len="sm"/>
-              <a:tailEnd type="none" w="sm" len="sm"/>
-            </a:ln>
-          </p:spPr>
-          <p:txBody>
-            <a:bodyPr spcFirstLastPara="1" wrap="square" lIns="91425" tIns="91425" rIns="91425" bIns="91425" anchor="ctr" anchorCtr="0">
-              <a:noAutofit/>
-            </a:bodyPr>
-            <a:lstStyle/>
-            <a:p>
-              <a:pPr marL="0" lvl="0" indent="0" algn="l" rtl="0">
-                <a:spcBef>
-                  <a:spcPts val="0"/>
-                </a:spcBef>
-                <a:spcAft>
-                  <a:spcPts val="0"/>
-                </a:spcAft>
-                <a:buNone/>
-              </a:pPr>
-              <a:endParaRPr/>
-            </a:p>
-          </p:txBody>
-        </p:sp>
-        <p:sp>
-          <p:nvSpPr>
-            <p:cNvPr id="160" name="Google Shape;723;p37">
-              <a:extLst>
-                <a:ext uri="{FF2B5EF4-FFF2-40B4-BE49-F238E27FC236}">
-                  <a16:creationId xmlns:a16="http://schemas.microsoft.com/office/drawing/2014/main" id="{0691BDFA-0122-544D-A770-D90A089E6178}"/>
-                </a:ext>
-              </a:extLst>
-            </p:cNvPr>
-            <p:cNvSpPr/>
-            <p:nvPr/>
-          </p:nvSpPr>
-          <p:spPr>
-            <a:xfrm>
-              <a:off x="5411925" y="5110925"/>
-              <a:ext cx="188775" cy="189400"/>
-            </a:xfrm>
-            <a:custGeom>
-              <a:avLst/>
-              <a:gdLst/>
-              <a:ahLst/>
-              <a:cxnLst/>
-              <a:rect l="l" t="t" r="r" b="b"/>
-              <a:pathLst>
-                <a:path w="7551" h="7576" fill="none" extrusionOk="0">
-                  <a:moveTo>
-                    <a:pt x="0" y="3776"/>
-                  </a:moveTo>
-                  <a:lnTo>
-                    <a:pt x="0" y="3776"/>
-                  </a:lnTo>
-                  <a:lnTo>
-                    <a:pt x="25" y="3410"/>
-                  </a:lnTo>
-                  <a:lnTo>
-                    <a:pt x="73" y="3021"/>
-                  </a:lnTo>
-                  <a:lnTo>
-                    <a:pt x="171" y="2655"/>
-                  </a:lnTo>
-                  <a:lnTo>
-                    <a:pt x="293" y="2314"/>
-                  </a:lnTo>
-                  <a:lnTo>
-                    <a:pt x="463" y="1973"/>
-                  </a:lnTo>
-                  <a:lnTo>
-                    <a:pt x="658" y="1681"/>
-                  </a:lnTo>
-                  <a:lnTo>
-                    <a:pt x="877" y="1389"/>
-                  </a:lnTo>
-                  <a:lnTo>
-                    <a:pt x="1121" y="1121"/>
-                  </a:lnTo>
-                  <a:lnTo>
-                    <a:pt x="1389" y="877"/>
-                  </a:lnTo>
-                  <a:lnTo>
-                    <a:pt x="1656" y="658"/>
-                  </a:lnTo>
-                  <a:lnTo>
-                    <a:pt x="1973" y="463"/>
-                  </a:lnTo>
-                  <a:lnTo>
-                    <a:pt x="2314" y="293"/>
-                  </a:lnTo>
-                  <a:lnTo>
-                    <a:pt x="2655" y="171"/>
-                  </a:lnTo>
-                  <a:lnTo>
-                    <a:pt x="3020" y="74"/>
-                  </a:lnTo>
-                  <a:lnTo>
-                    <a:pt x="3386" y="25"/>
-                  </a:lnTo>
-                  <a:lnTo>
-                    <a:pt x="3775" y="1"/>
-                  </a:lnTo>
-                  <a:lnTo>
-                    <a:pt x="3775" y="1"/>
-                  </a:lnTo>
-                  <a:lnTo>
-                    <a:pt x="4165" y="25"/>
-                  </a:lnTo>
-                  <a:lnTo>
-                    <a:pt x="4555" y="74"/>
-                  </a:lnTo>
-                  <a:lnTo>
-                    <a:pt x="4896" y="171"/>
-                  </a:lnTo>
-                  <a:lnTo>
-                    <a:pt x="5261" y="293"/>
-                  </a:lnTo>
-                  <a:lnTo>
-                    <a:pt x="5578" y="463"/>
-                  </a:lnTo>
-                  <a:lnTo>
-                    <a:pt x="5894" y="658"/>
-                  </a:lnTo>
-                  <a:lnTo>
-                    <a:pt x="6186" y="877"/>
-                  </a:lnTo>
-                  <a:lnTo>
-                    <a:pt x="6454" y="1121"/>
-                  </a:lnTo>
-                  <a:lnTo>
-                    <a:pt x="6698" y="1389"/>
-                  </a:lnTo>
-                  <a:lnTo>
-                    <a:pt x="6917" y="1681"/>
-                  </a:lnTo>
-                  <a:lnTo>
-                    <a:pt x="7112" y="1973"/>
-                  </a:lnTo>
-                  <a:lnTo>
-                    <a:pt x="7258" y="2314"/>
-                  </a:lnTo>
-                  <a:lnTo>
-                    <a:pt x="7404" y="2655"/>
-                  </a:lnTo>
-                  <a:lnTo>
-                    <a:pt x="7477" y="3021"/>
-                  </a:lnTo>
-                  <a:lnTo>
-                    <a:pt x="7550" y="3410"/>
-                  </a:lnTo>
-                  <a:lnTo>
-                    <a:pt x="7550" y="3776"/>
-                  </a:lnTo>
-                  <a:lnTo>
-                    <a:pt x="7550" y="3776"/>
-                  </a:lnTo>
-                  <a:lnTo>
-                    <a:pt x="7550" y="4165"/>
-                  </a:lnTo>
-                  <a:lnTo>
-                    <a:pt x="7477" y="4555"/>
-                  </a:lnTo>
-                  <a:lnTo>
-                    <a:pt x="7404" y="4920"/>
-                  </a:lnTo>
-                  <a:lnTo>
-                    <a:pt x="7258" y="5261"/>
-                  </a:lnTo>
-                  <a:lnTo>
-                    <a:pt x="7112" y="5578"/>
-                  </a:lnTo>
-                  <a:lnTo>
-                    <a:pt x="6917" y="5895"/>
-                  </a:lnTo>
-                  <a:lnTo>
-                    <a:pt x="6698" y="6187"/>
-                  </a:lnTo>
-                  <a:lnTo>
-                    <a:pt x="6454" y="6455"/>
-                  </a:lnTo>
-                  <a:lnTo>
-                    <a:pt x="6186" y="6698"/>
-                  </a:lnTo>
-                  <a:lnTo>
-                    <a:pt x="5894" y="6917"/>
-                  </a:lnTo>
-                  <a:lnTo>
-                    <a:pt x="5578" y="7112"/>
-                  </a:lnTo>
-                  <a:lnTo>
-                    <a:pt x="5261" y="7258"/>
-                  </a:lnTo>
-                  <a:lnTo>
-                    <a:pt x="4896" y="7405"/>
-                  </a:lnTo>
-                  <a:lnTo>
-                    <a:pt x="4555" y="7478"/>
-                  </a:lnTo>
-                  <a:lnTo>
-                    <a:pt x="4165" y="7551"/>
-                  </a:lnTo>
-                  <a:lnTo>
-                    <a:pt x="3775" y="7575"/>
-                  </a:lnTo>
-                  <a:lnTo>
-                    <a:pt x="3775" y="7575"/>
-                  </a:lnTo>
-                  <a:lnTo>
-                    <a:pt x="3386" y="7551"/>
-                  </a:lnTo>
-                  <a:lnTo>
-                    <a:pt x="3020" y="7478"/>
-                  </a:lnTo>
-                  <a:lnTo>
-                    <a:pt x="2655" y="7405"/>
-                  </a:lnTo>
-                  <a:lnTo>
-                    <a:pt x="2314" y="7258"/>
-                  </a:lnTo>
-                  <a:lnTo>
-                    <a:pt x="1973" y="7112"/>
-                  </a:lnTo>
-                  <a:lnTo>
-                    <a:pt x="1656" y="6917"/>
-                  </a:lnTo>
-                  <a:lnTo>
-                    <a:pt x="1389" y="6698"/>
-                  </a:lnTo>
-                  <a:lnTo>
-                    <a:pt x="1121" y="6455"/>
-                  </a:lnTo>
-                  <a:lnTo>
-                    <a:pt x="877" y="6187"/>
-                  </a:lnTo>
-                  <a:lnTo>
-                    <a:pt x="658" y="5895"/>
-                  </a:lnTo>
-                  <a:lnTo>
-                    <a:pt x="463" y="5578"/>
-                  </a:lnTo>
-                  <a:lnTo>
-                    <a:pt x="293" y="5261"/>
-                  </a:lnTo>
-                  <a:lnTo>
-                    <a:pt x="171" y="4920"/>
-                  </a:lnTo>
-                  <a:lnTo>
-                    <a:pt x="73" y="4555"/>
-                  </a:lnTo>
-                  <a:lnTo>
-                    <a:pt x="25" y="4165"/>
-                  </a:lnTo>
-                  <a:lnTo>
-                    <a:pt x="0" y="3776"/>
-                  </a:lnTo>
-                  <a:lnTo>
-                    <a:pt x="0" y="3776"/>
-                  </a:lnTo>
-                  <a:close/>
-                </a:path>
-              </a:pathLst>
-            </a:custGeom>
-            <a:noFill/>
-            <a:ln w="12175" cap="rnd" cmpd="sng">
-              <a:solidFill>
-                <a:schemeClr val="tx1"/>
-              </a:solidFill>
-              <a:prstDash val="solid"/>
-              <a:round/>
-              <a:headEnd type="none" w="sm" len="sm"/>
-              <a:tailEnd type="none" w="sm" len="sm"/>
-            </a:ln>
-          </p:spPr>
-          <p:txBody>
-            <a:bodyPr spcFirstLastPara="1" wrap="square" lIns="91425" tIns="91425" rIns="91425" bIns="91425" anchor="ctr" anchorCtr="0">
-              <a:noAutofit/>
-            </a:bodyPr>
-            <a:lstStyle/>
-            <a:p>
-              <a:pPr marL="0" lvl="0" indent="0" algn="l" rtl="0">
-                <a:spcBef>
-                  <a:spcPts val="0"/>
-                </a:spcBef>
-                <a:spcAft>
-                  <a:spcPts val="0"/>
-                </a:spcAft>
-                <a:buNone/>
-              </a:pPr>
-              <a:endParaRPr/>
-            </a:p>
-          </p:txBody>
-        </p:sp>
-        <p:sp>
-          <p:nvSpPr>
-            <p:cNvPr id="161" name="Google Shape;724;p37">
-              <a:extLst>
-                <a:ext uri="{FF2B5EF4-FFF2-40B4-BE49-F238E27FC236}">
-                  <a16:creationId xmlns:a16="http://schemas.microsoft.com/office/drawing/2014/main" id="{4350DB2D-FA91-6F43-BB27-CA4D6445BFDD}"/>
-                </a:ext>
-              </a:extLst>
-            </p:cNvPr>
-            <p:cNvSpPr/>
-            <p:nvPr/>
-          </p:nvSpPr>
-          <p:spPr>
-            <a:xfrm>
-              <a:off x="5367475" y="5025075"/>
-              <a:ext cx="81600" cy="105975"/>
-            </a:xfrm>
-            <a:custGeom>
-              <a:avLst/>
-              <a:gdLst/>
-              <a:ahLst/>
-              <a:cxnLst/>
-              <a:rect l="l" t="t" r="r" b="b"/>
-              <a:pathLst>
-                <a:path w="3264" h="4239" fill="none" extrusionOk="0">
-                  <a:moveTo>
-                    <a:pt x="0" y="1"/>
-                  </a:moveTo>
-                  <a:lnTo>
-                    <a:pt x="3264" y="4238"/>
-                  </a:lnTo>
-                </a:path>
-              </a:pathLst>
-            </a:custGeom>
-            <a:noFill/>
-            <a:ln w="12175" cap="rnd" cmpd="sng">
-              <a:solidFill>
-                <a:schemeClr val="tx1"/>
-              </a:solidFill>
-              <a:prstDash val="solid"/>
-              <a:round/>
-              <a:headEnd type="none" w="sm" len="sm"/>
-              <a:tailEnd type="none" w="sm" len="sm"/>
-            </a:ln>
-          </p:spPr>
-          <p:txBody>
-            <a:bodyPr spcFirstLastPara="1" wrap="square" lIns="91425" tIns="91425" rIns="91425" bIns="91425" anchor="ctr" anchorCtr="0">
-              <a:noAutofit/>
-            </a:bodyPr>
-            <a:lstStyle/>
-            <a:p>
-              <a:pPr marL="0" lvl="0" indent="0" algn="l" rtl="0">
-                <a:spcBef>
-                  <a:spcPts val="0"/>
-                </a:spcBef>
-                <a:spcAft>
-                  <a:spcPts val="0"/>
-                </a:spcAft>
-                <a:buNone/>
-              </a:pPr>
-              <a:endParaRPr/>
-            </a:p>
-          </p:txBody>
-        </p:sp>
-        <p:sp>
-          <p:nvSpPr>
-            <p:cNvPr id="162" name="Google Shape;725;p37">
-              <a:extLst>
-                <a:ext uri="{FF2B5EF4-FFF2-40B4-BE49-F238E27FC236}">
-                  <a16:creationId xmlns:a16="http://schemas.microsoft.com/office/drawing/2014/main" id="{011509C2-B695-A740-B914-6FA13DECEA6E}"/>
-                </a:ext>
-              </a:extLst>
-            </p:cNvPr>
-            <p:cNvSpPr/>
-            <p:nvPr/>
-          </p:nvSpPr>
-          <p:spPr>
-            <a:xfrm>
-              <a:off x="5567800" y="4999500"/>
-              <a:ext cx="115100" cy="133975"/>
-            </a:xfrm>
-            <a:custGeom>
-              <a:avLst/>
-              <a:gdLst/>
-              <a:ahLst/>
-              <a:cxnLst/>
-              <a:rect l="l" t="t" r="r" b="b"/>
-              <a:pathLst>
-                <a:path w="4604" h="5359" fill="none" extrusionOk="0">
-                  <a:moveTo>
-                    <a:pt x="0" y="5359"/>
-                  </a:moveTo>
-                  <a:lnTo>
-                    <a:pt x="4603" y="1"/>
-                  </a:lnTo>
-                </a:path>
-              </a:pathLst>
-            </a:custGeom>
-            <a:noFill/>
-            <a:ln w="12175" cap="rnd" cmpd="sng">
-              <a:solidFill>
-                <a:schemeClr val="tx1"/>
-              </a:solidFill>
-              <a:prstDash val="solid"/>
-              <a:round/>
-              <a:headEnd type="none" w="sm" len="sm"/>
-              <a:tailEnd type="none" w="sm" len="sm"/>
-            </a:ln>
-          </p:spPr>
-          <p:txBody>
-            <a:bodyPr spcFirstLastPara="1" wrap="square" lIns="91425" tIns="91425" rIns="91425" bIns="91425" anchor="ctr" anchorCtr="0">
-              <a:noAutofit/>
-            </a:bodyPr>
-            <a:lstStyle/>
-            <a:p>
-              <a:pPr marL="0" lvl="0" indent="0" algn="l" rtl="0">
-                <a:spcBef>
-                  <a:spcPts val="0"/>
-                </a:spcBef>
-                <a:spcAft>
-                  <a:spcPts val="0"/>
-                </a:spcAft>
-                <a:buNone/>
-              </a:pPr>
-              <a:endParaRPr/>
-            </a:p>
-          </p:txBody>
-        </p:sp>
-        <p:sp>
-          <p:nvSpPr>
-            <p:cNvPr id="163" name="Google Shape;726;p37">
-              <a:extLst>
-                <a:ext uri="{FF2B5EF4-FFF2-40B4-BE49-F238E27FC236}">
-                  <a16:creationId xmlns:a16="http://schemas.microsoft.com/office/drawing/2014/main" id="{98F0FCDC-8614-8C47-98BE-FB5BE7EC6329}"/>
-                </a:ext>
-              </a:extLst>
-            </p:cNvPr>
-            <p:cNvSpPr/>
-            <p:nvPr/>
-          </p:nvSpPr>
-          <p:spPr>
-            <a:xfrm>
-              <a:off x="5600075" y="5217475"/>
-              <a:ext cx="127275" cy="16475"/>
-            </a:xfrm>
-            <a:custGeom>
-              <a:avLst/>
-              <a:gdLst/>
-              <a:ahLst/>
-              <a:cxnLst/>
-              <a:rect l="l" t="t" r="r" b="b"/>
-              <a:pathLst>
-                <a:path w="5091" h="659" fill="none" extrusionOk="0">
-                  <a:moveTo>
-                    <a:pt x="5090" y="658"/>
-                  </a:moveTo>
-                  <a:lnTo>
-                    <a:pt x="0" y="1"/>
-                  </a:lnTo>
-                </a:path>
-              </a:pathLst>
-            </a:custGeom>
-            <a:noFill/>
-            <a:ln w="12175" cap="rnd" cmpd="sng">
-              <a:solidFill>
-                <a:schemeClr val="tx1"/>
-              </a:solidFill>
-              <a:prstDash val="solid"/>
-              <a:round/>
-              <a:headEnd type="none" w="sm" len="sm"/>
-              <a:tailEnd type="none" w="sm" len="sm"/>
-            </a:ln>
-          </p:spPr>
-          <p:txBody>
-            <a:bodyPr spcFirstLastPara="1" wrap="square" lIns="91425" tIns="91425" rIns="91425" bIns="91425" anchor="ctr" anchorCtr="0">
-              <a:noAutofit/>
-            </a:bodyPr>
-            <a:lstStyle/>
-            <a:p>
-              <a:pPr marL="0" lvl="0" indent="0" algn="l" rtl="0">
-                <a:spcBef>
-                  <a:spcPts val="0"/>
-                </a:spcBef>
-                <a:spcAft>
-                  <a:spcPts val="0"/>
-                </a:spcAft>
-                <a:buNone/>
-              </a:pPr>
-              <a:endParaRPr/>
-            </a:p>
-          </p:txBody>
-        </p:sp>
-        <p:sp>
-          <p:nvSpPr>
-            <p:cNvPr id="164" name="Google Shape;727;p37">
-              <a:extLst>
-                <a:ext uri="{FF2B5EF4-FFF2-40B4-BE49-F238E27FC236}">
-                  <a16:creationId xmlns:a16="http://schemas.microsoft.com/office/drawing/2014/main" id="{CDCBAB72-248D-C04F-89A1-9EEE29ABB7FE}"/>
-                </a:ext>
-              </a:extLst>
-            </p:cNvPr>
-            <p:cNvSpPr/>
-            <p:nvPr/>
-          </p:nvSpPr>
-          <p:spPr>
-            <a:xfrm>
-              <a:off x="5497775" y="5299675"/>
-              <a:ext cx="4900" cy="126675"/>
-            </a:xfrm>
-            <a:custGeom>
-              <a:avLst/>
-              <a:gdLst/>
-              <a:ahLst/>
-              <a:cxnLst/>
-              <a:rect l="l" t="t" r="r" b="b"/>
-              <a:pathLst>
-                <a:path w="196" h="5067" fill="none" extrusionOk="0">
-                  <a:moveTo>
-                    <a:pt x="0" y="5067"/>
-                  </a:moveTo>
-                  <a:lnTo>
-                    <a:pt x="195" y="1"/>
-                  </a:lnTo>
-                </a:path>
-              </a:pathLst>
-            </a:custGeom>
-            <a:noFill/>
-            <a:ln w="12175" cap="rnd" cmpd="sng">
-              <a:solidFill>
-                <a:schemeClr val="tx1"/>
-              </a:solidFill>
-              <a:prstDash val="solid"/>
-              <a:round/>
-              <a:headEnd type="none" w="sm" len="sm"/>
-              <a:tailEnd type="none" w="sm" len="sm"/>
-            </a:ln>
-          </p:spPr>
-          <p:txBody>
-            <a:bodyPr spcFirstLastPara="1" wrap="square" lIns="91425" tIns="91425" rIns="91425" bIns="91425" anchor="ctr" anchorCtr="0">
-              <a:noAutofit/>
-            </a:bodyPr>
-            <a:lstStyle/>
-            <a:p>
-              <a:pPr marL="0" lvl="0" indent="0" algn="l" rtl="0">
-                <a:spcBef>
-                  <a:spcPts val="0"/>
-                </a:spcBef>
-                <a:spcAft>
-                  <a:spcPts val="0"/>
-                </a:spcAft>
-                <a:buNone/>
-              </a:pPr>
-              <a:endParaRPr/>
-            </a:p>
-          </p:txBody>
-        </p:sp>
-        <p:sp>
-          <p:nvSpPr>
-            <p:cNvPr id="165" name="Google Shape;728;p37">
-              <a:extLst>
-                <a:ext uri="{FF2B5EF4-FFF2-40B4-BE49-F238E27FC236}">
-                  <a16:creationId xmlns:a16="http://schemas.microsoft.com/office/drawing/2014/main" id="{F210934F-D140-C644-B87C-147473B3AC6F}"/>
-                </a:ext>
-              </a:extLst>
-            </p:cNvPr>
-            <p:cNvSpPr/>
-            <p:nvPr/>
-          </p:nvSpPr>
-          <p:spPr>
-            <a:xfrm>
-              <a:off x="5277975" y="5241825"/>
-              <a:ext cx="141275" cy="58500"/>
-            </a:xfrm>
-            <a:custGeom>
-              <a:avLst/>
-              <a:gdLst/>
-              <a:ahLst/>
-              <a:cxnLst/>
-              <a:rect l="l" t="t" r="r" b="b"/>
-              <a:pathLst>
-                <a:path w="5651" h="2340" fill="none" extrusionOk="0">
-                  <a:moveTo>
-                    <a:pt x="0" y="2339"/>
-                  </a:moveTo>
-                  <a:lnTo>
-                    <a:pt x="5651" y="1"/>
-                  </a:lnTo>
-                </a:path>
-              </a:pathLst>
-            </a:custGeom>
-            <a:noFill/>
-            <a:ln w="12175" cap="rnd" cmpd="sng">
-              <a:solidFill>
-                <a:schemeClr val="tx1"/>
-              </a:solidFill>
-              <a:prstDash val="solid"/>
-              <a:round/>
-              <a:headEnd type="none" w="sm" len="sm"/>
-              <a:tailEnd type="none" w="sm" len="sm"/>
-            </a:ln>
-          </p:spPr>
-          <p:txBody>
-            <a:bodyPr spcFirstLastPara="1" wrap="square" lIns="91425" tIns="91425" rIns="91425" bIns="91425" anchor="ctr" anchorCtr="0">
-              <a:noAutofit/>
-            </a:bodyPr>
-            <a:lstStyle/>
-            <a:p>
-              <a:pPr marL="0" lvl="0" indent="0" algn="l" rtl="0">
-                <a:spcBef>
-                  <a:spcPts val="0"/>
-                </a:spcBef>
-                <a:spcAft>
-                  <a:spcPts val="0"/>
-                </a:spcAft>
-                <a:buNone/>
-              </a:pPr>
-              <a:endParaRPr/>
-            </a:p>
-          </p:txBody>
-        </p:sp>
-      </p:grpSp>
       <p:cxnSp>
         <p:nvCxnSpPr>
           <p:cNvPr id="15" name="Straight Connector 14">
@@ -24594,6 +22758,53 @@
           </a:fontRef>
         </p:style>
       </p:cxnSp>
+      <p:pic>
+        <p:nvPicPr>
+          <p:cNvPr id="77" name="Picture 4" descr="How to Draw a Scarecrow - Really Easy Drawing Tutorial">
+            <a:extLst>
+              <a:ext uri="{FF2B5EF4-FFF2-40B4-BE49-F238E27FC236}">
+                <a16:creationId xmlns:a16="http://schemas.microsoft.com/office/drawing/2014/main" id="{F4787572-0CFA-7844-A7CA-D4EC97BE0F20}"/>
+              </a:ext>
+            </a:extLst>
+          </p:cNvPr>
+          <p:cNvPicPr>
+            <a:picLocks noChangeAspect="1" noChangeArrowheads="1"/>
+          </p:cNvPicPr>
+          <p:nvPr/>
+        </p:nvPicPr>
+        <p:blipFill>
+          <a:blip r:embed="rId3">
+            <a:extLst>
+              <a:ext uri="{28A0092B-C50C-407E-A947-70E740481C1C}">
+                <a14:useLocalDpi xmlns:a14="http://schemas.microsoft.com/office/drawing/2010/main" val="0"/>
+              </a:ext>
+            </a:extLst>
+          </a:blip>
+          <a:srcRect/>
+          <a:stretch>
+            <a:fillRect/>
+          </a:stretch>
+        </p:blipFill>
+        <p:spPr bwMode="auto">
+          <a:xfrm>
+            <a:off x="6836097" y="2918627"/>
+            <a:ext cx="453353" cy="451958"/>
+          </a:xfrm>
+          <a:prstGeom prst="rect">
+            <a:avLst/>
+          </a:prstGeom>
+          <a:noFill/>
+          <a:extLst>
+            <a:ext uri="{909E8E84-426E-40DD-AFC4-6F175D3DCCD1}">
+              <a14:hiddenFill xmlns:a14="http://schemas.microsoft.com/office/drawing/2010/main">
+                <a:solidFill>
+                  <a:srgbClr val="FFFFFF"/>
+                </a:solidFill>
+              </a14:hiddenFill>
+            </a:ext>
+          </a:extLst>
+        </p:spPr>
+      </p:pic>
     </p:spTree>
     <p:extLst>
       <p:ext uri="{BB962C8B-B14F-4D97-AF65-F5344CB8AC3E}">

--- a/TDD Microskills week 1.pptx
+++ b/TDD Microskills week 1.pptx
@@ -4199,9 +4199,6 @@
     <p:sldLayoutId id="2147483657" r:id="rId5"/>
     <p:sldLayoutId id="2147483659" r:id="rId6"/>
   </p:sldLayoutIdLst>
-  <p:transition>
-    <p:fade thruBlk="1"/>
-  </p:transition>
   <p:hf hdr="0" ftr="0" dt="0"/>
   <p:txStyles>
     <p:titleStyle>

--- a/TDD Microskills week 1.pptx
+++ b/TDD Microskills week 1.pptx
@@ -6074,69 +6074,6 @@
                   <a:latin typeface="+mj-lt"/>
                 </a:rPr>
                 <a:t>Code</a:t>
-              </a:r>
-            </a:p>
-          </p:txBody>
-        </p:sp>
-        <p:sp>
-          <p:nvSpPr>
-            <p:cNvPr id="10" name="TextBox 9">
-              <a:extLst>
-                <a:ext uri="{FF2B5EF4-FFF2-40B4-BE49-F238E27FC236}">
-                  <a16:creationId xmlns:a16="http://schemas.microsoft.com/office/drawing/2014/main" id="{C05CF9EB-4A00-C845-A859-FA4CB57EC65B}"/>
-                </a:ext>
-              </a:extLst>
-            </p:cNvPr>
-            <p:cNvSpPr txBox="1"/>
-            <p:nvPr/>
-          </p:nvSpPr>
-          <p:spPr>
-            <a:xfrm>
-              <a:off x="2522261" y="3867149"/>
-              <a:ext cx="914401" cy="369332"/>
-            </a:xfrm>
-            <a:prstGeom prst="rect">
-              <a:avLst/>
-            </a:prstGeom>
-            <a:ln>
-              <a:solidFill>
-                <a:schemeClr val="bg1">
-                  <a:lumMod val="75000"/>
-                </a:schemeClr>
-              </a:solidFill>
-            </a:ln>
-          </p:spPr>
-          <p:style>
-            <a:lnRef idx="2">
-              <a:schemeClr val="accent2"/>
-            </a:lnRef>
-            <a:fillRef idx="1">
-              <a:schemeClr val="lt1"/>
-            </a:fillRef>
-            <a:effectRef idx="0">
-              <a:schemeClr val="accent2"/>
-            </a:effectRef>
-            <a:fontRef idx="minor">
-              <a:schemeClr val="dk1"/>
-            </a:fontRef>
-          </p:style>
-          <p:txBody>
-            <a:bodyPr wrap="square" rtlCol="0">
-              <a:spAutoFit/>
-            </a:bodyPr>
-            <a:lstStyle/>
-            <a:p>
-              <a:r>
-                <a:rPr lang="en-US" sz="1200" dirty="0">
-                  <a:solidFill>
-                    <a:schemeClr val="tx1">
-                      <a:lumMod val="75000"/>
-                      <a:lumOff val="25000"/>
-                    </a:schemeClr>
-                  </a:solidFill>
-                  <a:latin typeface="+mj-lt"/>
-                </a:rPr>
-                <a:t>Result</a:t>
               </a:r>
             </a:p>
           </p:txBody>
@@ -6943,6 +6880,69 @@
           </p:txBody>
         </p:sp>
       </p:grpSp>
+      <p:sp>
+        <p:nvSpPr>
+          <p:cNvPr id="2" name="TextBox 1">
+            <a:extLst>
+              <a:ext uri="{FF2B5EF4-FFF2-40B4-BE49-F238E27FC236}">
+                <a16:creationId xmlns:a16="http://schemas.microsoft.com/office/drawing/2014/main" id="{EF86DEA7-728B-9DD9-3D2F-A0A53E444992}"/>
+              </a:ext>
+            </a:extLst>
+          </p:cNvPr>
+          <p:cNvSpPr txBox="1"/>
+          <p:nvPr/>
+        </p:nvSpPr>
+        <p:spPr>
+          <a:xfrm>
+            <a:off x="2787926" y="3654981"/>
+            <a:ext cx="977297" cy="276999"/>
+          </a:xfrm>
+          <a:prstGeom prst="rect">
+            <a:avLst/>
+          </a:prstGeom>
+          <a:ln>
+            <a:solidFill>
+              <a:schemeClr val="bg1">
+                <a:lumMod val="75000"/>
+              </a:schemeClr>
+            </a:solidFill>
+          </a:ln>
+        </p:spPr>
+        <p:style>
+          <a:lnRef idx="2">
+            <a:schemeClr val="accent2"/>
+          </a:lnRef>
+          <a:fillRef idx="1">
+            <a:schemeClr val="lt1"/>
+          </a:fillRef>
+          <a:effectRef idx="0">
+            <a:schemeClr val="accent2"/>
+          </a:effectRef>
+          <a:fontRef idx="minor">
+            <a:schemeClr val="dk1"/>
+          </a:fontRef>
+        </p:style>
+        <p:txBody>
+          <a:bodyPr wrap="square" rtlCol="0">
+            <a:spAutoFit/>
+          </a:bodyPr>
+          <a:lstStyle/>
+          <a:p>
+            <a:r>
+              <a:rPr lang="en-US" sz="1200" dirty="0">
+                <a:solidFill>
+                  <a:schemeClr val="tx1">
+                    <a:lumMod val="75000"/>
+                    <a:lumOff val="25000"/>
+                  </a:schemeClr>
+                </a:solidFill>
+                <a:latin typeface="+mj-lt"/>
+              </a:rPr>
+              <a:t>Print Result</a:t>
+            </a:r>
+          </a:p>
+        </p:txBody>
+      </p:sp>
     </p:spTree>
     <p:extLst>
       <p:ext uri="{BB962C8B-B14F-4D97-AF65-F5344CB8AC3E}">
